--- a/15.Reversible Work.pptx
+++ b/15.Reversible Work.pptx
@@ -19070,7 +19070,7 @@
         </p:blipFill>
         <p:spPr>
           <a:xfrm>
-            <a:off x="481263" y="2839035"/>
+            <a:off x="457200" y="2792931"/>
             <a:ext cx="4171950" cy="3019425"/>
           </a:xfrm>
           <a:prstGeom prst="rect">
@@ -19157,7 +19157,7 @@
               <a:rPr lang="en-US" dirty="0">
                 <a:hlinkClick r:id="rId5"/>
               </a:rPr>
-              <a:t>Example 2</a:t>
+              <a:t>Solution</a:t>
             </a:r>
             <a:endParaRPr sz="3200" b="1" i="0" u="none" strike="noStrike" cap="none" dirty="0">
               <a:solidFill>
@@ -20126,7 +20126,7 @@
               <a:rPr lang="en-US" dirty="0">
                 <a:hlinkClick r:id="rId5"/>
               </a:rPr>
-              <a:t>Example 3</a:t>
+              <a:t>Solution</a:t>
             </a:r>
             <a:endParaRPr sz="3200" b="1" i="0" u="none" strike="noStrike" cap="none" dirty="0">
               <a:solidFill>
@@ -20850,10 +20850,10 @@
               <a:buNone/>
             </a:pPr>
             <a:r>
-              <a:rPr lang="en-US" dirty="0">
+              <a:rPr lang="en-US">
                 <a:hlinkClick r:id="rId5"/>
               </a:rPr>
-              <a:t>Example 4</a:t>
+              <a:t>Solution</a:t>
             </a:r>
             <a:endParaRPr sz="3200" b="1" i="0" u="none" strike="noStrike" cap="none" dirty="0">
               <a:solidFill>
@@ -23638,7 +23638,7 @@
               <a:rPr lang="en-US" dirty="0">
                 <a:hlinkClick r:id="rId4"/>
               </a:rPr>
-              <a:t>Example 1</a:t>
+              <a:t>Solution</a:t>
             </a:r>
             <a:endParaRPr sz="3200" b="1" i="0" u="none" strike="noStrike" cap="none" dirty="0">
               <a:solidFill>
